--- a/Better testing with Specflow.pptx
+++ b/Better testing with Specflow.pptx
@@ -122,7 +122,16 @@
       </a:defRPr>
     </a:lvl9pPr>
   </p:defaultTextStyle>
+  <p:extLst>
+    <p:ext uri="{EFAFB233-063F-42B5-8137-9DF3F51BA10A}">
+      <p15:sldGuideLst xmlns:p15="http://schemas.microsoft.com/office/powerpoint/2012/main"/>
+    </p:ext>
+  </p:extLst>
 </p:presentation>
+</file>
+
+<file path=ppt/revisionInfo.xml><?xml version="1.0" encoding="utf-8"?>
+<p1510:revInfo xmlns:a="http://schemas.openxmlformats.org/drawingml/2006/main" xmlns:r="http://schemas.openxmlformats.org/officeDocument/2006/relationships" xmlns:p1510="http://schemas.microsoft.com/office/powerpoint/2015/10/main"/>
 </file>
 
 <file path=ppt/notesMasters/notesMaster1.xml><?xml version="1.0" encoding="utf-8"?>
@@ -207,7 +216,7 @@
           <a:p>
             <a:fld id="{33E2EB48-B4AC-462C-B60B-F72FDC618CC9}" type="datetimeFigureOut">
               <a:rPr lang="en-US" smtClean="0"/>
-              <a:t>2/8/2018</a:t>
+              <a:t>2/9/2018</a:t>
             </a:fld>
             <a:endParaRPr lang="en-US"/>
           </a:p>
@@ -2582,7 +2591,7 @@
             <a:fld id="{B61BEF0D-F0BB-DE4B-95CE-6DB70DBA9567}" type="datetimeFigureOut">
               <a:rPr lang="en-US" dirty="0"/>
               <a:pPr/>
-              <a:t>2/8/2018</a:t>
+              <a:t>2/9/2018</a:t>
             </a:fld>
             <a:endParaRPr lang="en-US" dirty="0"/>
           </a:p>
@@ -2830,7 +2839,7 @@
             <a:fld id="{B61BEF0D-F0BB-DE4B-95CE-6DB70DBA9567}" type="datetimeFigureOut">
               <a:rPr lang="en-US" dirty="0"/>
               <a:pPr/>
-              <a:t>2/8/2018</a:t>
+              <a:t>2/9/2018</a:t>
             </a:fld>
             <a:endParaRPr lang="en-US" dirty="0"/>
           </a:p>
@@ -3141,7 +3150,7 @@
             <a:fld id="{B61BEF0D-F0BB-DE4B-95CE-6DB70DBA9567}" type="datetimeFigureOut">
               <a:rPr lang="en-US" dirty="0"/>
               <a:pPr/>
-              <a:t>2/8/2018</a:t>
+              <a:t>2/9/2018</a:t>
             </a:fld>
             <a:endParaRPr lang="en-US" dirty="0"/>
           </a:p>
@@ -3479,7 +3488,7 @@
             <a:fld id="{B61BEF0D-F0BB-DE4B-95CE-6DB70DBA9567}" type="datetimeFigureOut">
               <a:rPr lang="en-US" dirty="0"/>
               <a:pPr/>
-              <a:t>2/8/2018</a:t>
+              <a:t>2/9/2018</a:t>
             </a:fld>
             <a:endParaRPr lang="en-US" dirty="0"/>
           </a:p>
@@ -3790,7 +3799,7 @@
             <a:fld id="{B61BEF0D-F0BB-DE4B-95CE-6DB70DBA9567}" type="datetimeFigureOut">
               <a:rPr lang="en-US" dirty="0"/>
               <a:pPr/>
-              <a:t>2/8/2018</a:t>
+              <a:t>2/9/2018</a:t>
             </a:fld>
             <a:endParaRPr lang="en-US" dirty="0"/>
           </a:p>
@@ -4180,7 +4189,7 @@
             <a:fld id="{B61BEF0D-F0BB-DE4B-95CE-6DB70DBA9567}" type="datetimeFigureOut">
               <a:rPr lang="en-US" dirty="0"/>
               <a:pPr/>
-              <a:t>2/8/2018</a:t>
+              <a:t>2/9/2018</a:t>
             </a:fld>
             <a:endParaRPr lang="en-US" dirty="0"/>
           </a:p>
@@ -4346,7 +4355,7 @@
           <a:p>
             <a:fld id="{55C6B4A9-1611-4792-9094-5F34BCA07E0B}" type="datetimeFigureOut">
               <a:rPr lang="en-US" dirty="0"/>
-              <a:t>2/8/2018</a:t>
+              <a:t>2/9/2018</a:t>
             </a:fld>
             <a:endParaRPr lang="en-US" dirty="0"/>
           </a:p>
@@ -4522,7 +4531,7 @@
             <a:fld id="{B61BEF0D-F0BB-DE4B-95CE-6DB70DBA9567}" type="datetimeFigureOut">
               <a:rPr lang="en-US" dirty="0"/>
               <a:pPr/>
-              <a:t>2/8/2018</a:t>
+              <a:t>2/9/2018</a:t>
             </a:fld>
             <a:endParaRPr lang="en-US" dirty="0"/>
           </a:p>
@@ -4695,7 +4704,7 @@
             <a:fld id="{B61BEF0D-F0BB-DE4B-95CE-6DB70DBA9567}" type="datetimeFigureOut">
               <a:rPr lang="en-US" dirty="0"/>
               <a:pPr/>
-              <a:t>2/8/2018</a:t>
+              <a:t>2/9/2018</a:t>
             </a:fld>
             <a:endParaRPr lang="en-US" dirty="0"/>
           </a:p>
@@ -4939,7 +4948,7 @@
             <a:fld id="{B61BEF0D-F0BB-DE4B-95CE-6DB70DBA9567}" type="datetimeFigureOut">
               <a:rPr lang="en-US" dirty="0"/>
               <a:pPr/>
-              <a:t>2/8/2018</a:t>
+              <a:t>2/9/2018</a:t>
             </a:fld>
             <a:endParaRPr lang="en-US" dirty="0"/>
           </a:p>
@@ -5167,7 +5176,7 @@
           <a:p>
             <a:fld id="{EB712588-04B1-427B-82EE-E8DB90309F08}" type="datetimeFigureOut">
               <a:rPr lang="en-US" dirty="0"/>
-              <a:t>2/8/2018</a:t>
+              <a:t>2/9/2018</a:t>
             </a:fld>
             <a:endParaRPr lang="en-US" dirty="0"/>
           </a:p>
@@ -5537,7 +5546,7 @@
             <a:fld id="{B61BEF0D-F0BB-DE4B-95CE-6DB70DBA9567}" type="datetimeFigureOut">
               <a:rPr lang="en-US" dirty="0"/>
               <a:pPr/>
-              <a:t>2/8/2018</a:t>
+              <a:t>2/9/2018</a:t>
             </a:fld>
             <a:endParaRPr lang="en-US" dirty="0"/>
           </a:p>
@@ -5657,7 +5666,7 @@
             <a:fld id="{B61BEF0D-F0BB-DE4B-95CE-6DB70DBA9567}" type="datetimeFigureOut">
               <a:rPr lang="en-US" dirty="0"/>
               <a:pPr/>
-              <a:t>2/8/2018</a:t>
+              <a:t>2/9/2018</a:t>
             </a:fld>
             <a:endParaRPr lang="en-US" dirty="0"/>
           </a:p>
@@ -5749,7 +5758,7 @@
             <a:fld id="{B61BEF0D-F0BB-DE4B-95CE-6DB70DBA9567}" type="datetimeFigureOut">
               <a:rPr lang="en-US" dirty="0"/>
               <a:pPr/>
-              <a:t>2/8/2018</a:t>
+              <a:t>2/9/2018</a:t>
             </a:fld>
             <a:endParaRPr lang="en-US" dirty="0"/>
           </a:p>
@@ -6000,7 +6009,7 @@
           <a:p>
             <a:fld id="{42A54C80-263E-416B-A8E0-580EDEADCBDC}" type="datetimeFigureOut">
               <a:rPr lang="en-US" dirty="0"/>
-              <a:t>2/8/2018</a:t>
+              <a:t>2/9/2018</a:t>
             </a:fld>
             <a:endParaRPr lang="en-US" dirty="0"/>
           </a:p>
@@ -6259,7 +6268,7 @@
             <a:fld id="{B61BEF0D-F0BB-DE4B-95CE-6DB70DBA9567}" type="datetimeFigureOut">
               <a:rPr lang="en-US" dirty="0"/>
               <a:pPr/>
-              <a:t>2/8/2018</a:t>
+              <a:t>2/9/2018</a:t>
             </a:fld>
             <a:endParaRPr lang="en-US" dirty="0"/>
           </a:p>
@@ -6999,7 +7008,7 @@
             <a:fld id="{B61BEF0D-F0BB-DE4B-95CE-6DB70DBA9567}" type="datetimeFigureOut">
               <a:rPr lang="en-US" dirty="0"/>
               <a:pPr/>
-              <a:t>2/8/2018</a:t>
+              <a:t>2/9/2018</a:t>
             </a:fld>
             <a:endParaRPr lang="en-US" dirty="0"/>
           </a:p>
@@ -8515,7 +8524,7 @@
             </a:r>
             <a:r>
               <a:rPr lang="en-US" i="1" dirty="0"/>
-              <a:t>)and was actually astonished to find that the DSL tests were BETTER at catching most bugs </a:t>
+              <a:t>)and was actually astonished to find that the Domain tests were BETTER at catching most bugs </a:t>
             </a:r>
             <a:r>
               <a:rPr lang="en-US" i="1" dirty="0" err="1"/>
@@ -8674,7 +8683,7 @@
             </a:r>
             <a:r>
               <a:rPr lang="en-US" i="1" dirty="0"/>
-              <a:t>Yes, there will be overlap because these tests will be more 'holistic'. Many components will be invoked in tests that may have nothing to do with said component. However, once we remember that the tests shouldn't care about our particular implementation, it makes sense that they would behave this way. And since they are bound to a true domain behavior, the trade off is particularly worthwhile because the domain is less likely to change than the implementation. And if the domain changes, the tests have to change anyways, regardless of what approach was used. As far as the performance hit goes for overlapping execution of code, see the above bullet as to why that is worth it.</a:t>
+              <a:t>Yes, there will be overlap because these tests will be more 'holistic'. Many components will be invoked in tests that may have little to do with said component. However, once we remember that the tests shouldn't care about our particular implementation, it makes sense that they would behave this way. And since they are bound to a true domain behavior, the trade off is particularly worthwhile because the domain is less likely to change than the implementation. And if the domain changes, the tests have to change anyways, regardless of what approach was used. As far as the performance hit goes for overlapping execution of code, see the above bullet as to why that is worth it.</a:t>
             </a:r>
             <a:endParaRPr lang="en-US" dirty="0"/>
           </a:p>
@@ -8689,7 +8698,15 @@
             </a:r>
             <a:r>
               <a:rPr lang="en-US" i="1" dirty="0"/>
-              <a:t>No, no and one more time no. The takeaway here is not that we have a magic bullet to solve any problems for any given scenario. In some cases, it may make more sense to write more low level unit tests. What I am saying is that you should challenge the way you look at testing and really think about testing in general. Think about it as hard as you think about your design and your implementation. Think about it during the whole SDLC, not just at the end. Think about from a domain perspective. Think about maintainability and change. This is not easy, it is hard. But I think the trade off can be well worth it. It may mean writing far fewer tests which are way better at actually documenting the things we REALLY care about the code - like its behavior (not what cute new </a:t>
+              <a:t>No, no and one more time no. The takeaway here is not that we have a magic bullet to solve any problems for any given scenario. In some cases, it may make more sense to write more low level unit tests. What I am saying is that you should challenge the way you look at testing and really think about testing in general. Think about it as hard as you think about your design and your implementation. Think about it during the whole SDLC, not just at the end. Think about from a domain perspective. Think about maintainability and change. This is not easy, it is hard. But I think </a:t>
+            </a:r>
+            <a:r>
+              <a:rPr lang="en-US" i="1"/>
+              <a:t>the investment can </a:t>
+            </a:r>
+            <a:r>
+              <a:rPr lang="en-US" i="1" dirty="0"/>
+              <a:t>be well worth it. It may mean writing far fewer tests which are way better at actually documenting the things we REALLY care about the code - like its behavior (not what cute new </a:t>
             </a:r>
             <a:r>
               <a:rPr lang="en-US" i="1" dirty="0" err="1"/>
